--- a/docs/Final Viva Presentation.pptx
+++ b/docs/Final Viva Presentation.pptx
@@ -24,23 +24,24 @@
     <p:sldId id="272" r:id="rId18"/>
     <p:sldId id="273" r:id="rId19"/>
     <p:sldId id="274" r:id="rId20"/>
-    <p:sldId id="275" r:id="rId21"/>
-    <p:sldId id="276" r:id="rId22"/>
+    <p:sldId id="277" r:id="rId21"/>
+    <p:sldId id="275" r:id="rId22"/>
+    <p:sldId id="276" r:id="rId23"/>
   </p:sldIdLst>
   <p:sldSz cx="18288000" cy="10287000"/>
   <p:notesSz cx="6858000" cy="9144000"/>
   <p:embeddedFontLst>
     <p:embeddedFont>
       <p:font typeface="Candal" panose="020B0604020202020204" charset="0"/>
-      <p:regular r:id="rId23"/>
+      <p:regular r:id="rId24"/>
     </p:embeddedFont>
     <p:embeddedFont>
       <p:font typeface="Glacial Indifference" panose="020B0604020202020204" charset="0"/>
-      <p:regular r:id="rId24"/>
+      <p:regular r:id="rId25"/>
     </p:embeddedFont>
     <p:embeddedFont>
       <p:font typeface="Glacial Indifference Bold" panose="020B0604020202020204" charset="0"/>
-      <p:regular r:id="rId25"/>
+      <p:regular r:id="rId26"/>
     </p:embeddedFont>
   </p:embeddedFontLst>
   <p:defaultTextStyle>
@@ -337,7 +338,7 @@
             <a:fld id="{1D8BD707-D9CF-40AE-B4C6-C98DA3205C09}" type="datetimeFigureOut">
               <a:rPr lang="en-US" smtClean="0"/>
               <a:pPr/>
-              <a:t>1/8/2026</a:t>
+              <a:t>1/9/2026</a:t>
             </a:fld>
             <a:endParaRPr lang="en-US"/>
           </a:p>
@@ -502,7 +503,7 @@
             <a:fld id="{1D8BD707-D9CF-40AE-B4C6-C98DA3205C09}" type="datetimeFigureOut">
               <a:rPr lang="en-US" smtClean="0"/>
               <a:pPr/>
-              <a:t>1/8/2026</a:t>
+              <a:t>1/9/2026</a:t>
             </a:fld>
             <a:endParaRPr lang="en-US"/>
           </a:p>
@@ -677,7 +678,7 @@
             <a:fld id="{1D8BD707-D9CF-40AE-B4C6-C98DA3205C09}" type="datetimeFigureOut">
               <a:rPr lang="en-US" smtClean="0"/>
               <a:pPr/>
-              <a:t>1/8/2026</a:t>
+              <a:t>1/9/2026</a:t>
             </a:fld>
             <a:endParaRPr lang="en-US"/>
           </a:p>
@@ -842,7 +843,7 @@
             <a:fld id="{1D8BD707-D9CF-40AE-B4C6-C98DA3205C09}" type="datetimeFigureOut">
               <a:rPr lang="en-US" smtClean="0"/>
               <a:pPr/>
-              <a:t>1/8/2026</a:t>
+              <a:t>1/9/2026</a:t>
             </a:fld>
             <a:endParaRPr lang="en-US"/>
           </a:p>
@@ -1084,7 +1085,7 @@
             <a:fld id="{1D8BD707-D9CF-40AE-B4C6-C98DA3205C09}" type="datetimeFigureOut">
               <a:rPr lang="en-US" smtClean="0"/>
               <a:pPr/>
-              <a:t>1/8/2026</a:t>
+              <a:t>1/9/2026</a:t>
             </a:fld>
             <a:endParaRPr lang="en-US"/>
           </a:p>
@@ -1366,7 +1367,7 @@
             <a:fld id="{1D8BD707-D9CF-40AE-B4C6-C98DA3205C09}" type="datetimeFigureOut">
               <a:rPr lang="en-US" smtClean="0"/>
               <a:pPr/>
-              <a:t>1/8/2026</a:t>
+              <a:t>1/9/2026</a:t>
             </a:fld>
             <a:endParaRPr lang="en-US"/>
           </a:p>
@@ -1782,7 +1783,7 @@
             <a:fld id="{1D8BD707-D9CF-40AE-B4C6-C98DA3205C09}" type="datetimeFigureOut">
               <a:rPr lang="en-US" smtClean="0"/>
               <a:pPr/>
-              <a:t>1/8/2026</a:t>
+              <a:t>1/9/2026</a:t>
             </a:fld>
             <a:endParaRPr lang="en-US"/>
           </a:p>
@@ -1896,7 +1897,7 @@
             <a:fld id="{1D8BD707-D9CF-40AE-B4C6-C98DA3205C09}" type="datetimeFigureOut">
               <a:rPr lang="en-US" smtClean="0"/>
               <a:pPr/>
-              <a:t>1/8/2026</a:t>
+              <a:t>1/9/2026</a:t>
             </a:fld>
             <a:endParaRPr lang="en-US"/>
           </a:p>
@@ -1988,7 +1989,7 @@
             <a:fld id="{1D8BD707-D9CF-40AE-B4C6-C98DA3205C09}" type="datetimeFigureOut">
               <a:rPr lang="en-US" smtClean="0"/>
               <a:pPr/>
-              <a:t>1/8/2026</a:t>
+              <a:t>1/9/2026</a:t>
             </a:fld>
             <a:endParaRPr lang="en-US"/>
           </a:p>
@@ -2260,7 +2261,7 @@
             <a:fld id="{1D8BD707-D9CF-40AE-B4C6-C98DA3205C09}" type="datetimeFigureOut">
               <a:rPr lang="en-US" smtClean="0"/>
               <a:pPr/>
-              <a:t>1/8/2026</a:t>
+              <a:t>1/9/2026</a:t>
             </a:fld>
             <a:endParaRPr lang="en-US"/>
           </a:p>
@@ -2509,7 +2510,7 @@
             <a:fld id="{1D8BD707-D9CF-40AE-B4C6-C98DA3205C09}" type="datetimeFigureOut">
               <a:rPr lang="en-US" smtClean="0"/>
               <a:pPr/>
-              <a:t>1/8/2026</a:t>
+              <a:t>1/9/2026</a:t>
             </a:fld>
             <a:endParaRPr lang="en-US"/>
           </a:p>
@@ -2717,7 +2718,7 @@
             <a:fld id="{1D8BD707-D9CF-40AE-B4C6-C98DA3205C09}" type="datetimeFigureOut">
               <a:rPr lang="en-US" smtClean="0"/>
               <a:pPr/>
-              <a:t>1/8/2026</a:t>
+              <a:t>1/9/2026</a:t>
             </a:fld>
             <a:endParaRPr lang="en-US"/>
           </a:p>
@@ -10324,7 +10325,13 @@
     </p:bg>
     <p:spTree>
       <p:nvGrpSpPr>
-        <p:cNvPr id="1" name=""/>
+        <p:cNvPr id="1" name="">
+          <a:extLst>
+            <a:ext uri="{FF2B5EF4-FFF2-40B4-BE49-F238E27FC236}">
+              <a16:creationId xmlns:a16="http://schemas.microsoft.com/office/drawing/2014/main" id="{A81A43B2-5A96-449C-6A66-375AD5EF8D54}"/>
+            </a:ext>
+          </a:extLst>
+        </p:cNvPr>
         <p:cNvGrpSpPr/>
         <p:nvPr/>
       </p:nvGrpSpPr>
@@ -10338,7 +10345,13 @@
       </p:grpSpPr>
       <p:sp>
         <p:nvSpPr>
-          <p:cNvPr id="2" name="Freeform 2"/>
+          <p:cNvPr id="2" name="Freeform 2">
+            <a:extLst>
+              <a:ext uri="{FF2B5EF4-FFF2-40B4-BE49-F238E27FC236}">
+                <a16:creationId xmlns:a16="http://schemas.microsoft.com/office/drawing/2014/main" id="{250EF0D1-759E-8425-8832-795C2081F8A5}"/>
+              </a:ext>
+            </a:extLst>
+          </p:cNvPr>
           <p:cNvSpPr/>
           <p:nvPr/>
         </p:nvSpPr>
@@ -10397,7 +10410,13 @@
       </p:sp>
       <p:sp>
         <p:nvSpPr>
-          <p:cNvPr id="3" name="Freeform 3"/>
+          <p:cNvPr id="3" name="Freeform 3">
+            <a:extLst>
+              <a:ext uri="{FF2B5EF4-FFF2-40B4-BE49-F238E27FC236}">
+                <a16:creationId xmlns:a16="http://schemas.microsoft.com/office/drawing/2014/main" id="{8128E3F7-2851-7C3A-9953-838D113D19A9}"/>
+              </a:ext>
+            </a:extLst>
+          </p:cNvPr>
           <p:cNvSpPr/>
           <p:nvPr/>
         </p:nvSpPr>
@@ -10456,7 +10475,13 @@
       </p:sp>
       <p:sp>
         <p:nvSpPr>
-          <p:cNvPr id="4" name="Freeform 4"/>
+          <p:cNvPr id="4" name="Freeform 4">
+            <a:extLst>
+              <a:ext uri="{FF2B5EF4-FFF2-40B4-BE49-F238E27FC236}">
+                <a16:creationId xmlns:a16="http://schemas.microsoft.com/office/drawing/2014/main" id="{203420D6-2EC6-01A7-7606-539E59FD1709}"/>
+              </a:ext>
+            </a:extLst>
+          </p:cNvPr>
           <p:cNvSpPr/>
           <p:nvPr/>
         </p:nvSpPr>
@@ -10515,6 +10540,298 @@
       </p:sp>
       <p:sp>
         <p:nvSpPr>
+          <p:cNvPr id="5" name="TextBox 5">
+            <a:extLst>
+              <a:ext uri="{FF2B5EF4-FFF2-40B4-BE49-F238E27FC236}">
+                <a16:creationId xmlns:a16="http://schemas.microsoft.com/office/drawing/2014/main" id="{14BECF96-0C2F-68C2-9A09-DF27F2B9315B}"/>
+              </a:ext>
+            </a:extLst>
+          </p:cNvPr>
+          <p:cNvSpPr txBox="1"/>
+          <p:nvPr/>
+        </p:nvSpPr>
+        <p:spPr>
+          <a:xfrm>
+            <a:off x="1921693" y="49318"/>
+            <a:ext cx="8276864" cy="1470787"/>
+          </a:xfrm>
+          <a:prstGeom prst="rect">
+            <a:avLst/>
+          </a:prstGeom>
+        </p:spPr>
+        <p:txBody>
+          <a:bodyPr lIns="0" tIns="0" rIns="0" bIns="0" rtlCol="0" anchor="t">
+            <a:spAutoFit/>
+          </a:bodyPr>
+          <a:lstStyle/>
+          <a:p>
+            <a:pPr algn="ctr">
+              <a:lnSpc>
+                <a:spcPts val="12880"/>
+              </a:lnSpc>
+            </a:pPr>
+            <a:r>
+              <a:rPr lang="en-US" sz="9200" dirty="0">
+                <a:solidFill>
+                  <a:srgbClr val="343434"/>
+                </a:solidFill>
+                <a:latin typeface="Candal"/>
+                <a:ea typeface="Candal"/>
+                <a:cs typeface="Candal"/>
+                <a:sym typeface="Candal"/>
+              </a:rPr>
+              <a:t>Dashboard</a:t>
+            </a:r>
+          </a:p>
+        </p:txBody>
+      </p:sp>
+      <p:pic>
+        <p:nvPicPr>
+          <p:cNvPr id="10" name="Picture 9" descr="A screenshot of a computer&#10;&#10;AI-generated content may be incorrect.">
+            <a:extLst>
+              <a:ext uri="{FF2B5EF4-FFF2-40B4-BE49-F238E27FC236}">
+                <a16:creationId xmlns:a16="http://schemas.microsoft.com/office/drawing/2014/main" id="{33DBB6D7-168E-53EE-DD60-DD1B6D540230}"/>
+              </a:ext>
+            </a:extLst>
+          </p:cNvPr>
+          <p:cNvPicPr>
+            <a:picLocks noChangeAspect="1"/>
+          </p:cNvPicPr>
+          <p:nvPr/>
+        </p:nvPicPr>
+        <p:blipFill>
+          <a:blip r:embed="rId8"/>
+          <a:stretch>
+            <a:fillRect/>
+          </a:stretch>
+        </p:blipFill>
+        <p:spPr>
+          <a:xfrm>
+            <a:off x="3054036" y="1949286"/>
+            <a:ext cx="14661479" cy="7690014"/>
+          </a:xfrm>
+          <a:prstGeom prst="rect">
+            <a:avLst/>
+          </a:prstGeom>
+        </p:spPr>
+      </p:pic>
+    </p:spTree>
+    <p:extLst>
+      <p:ext uri="{BB962C8B-B14F-4D97-AF65-F5344CB8AC3E}">
+        <p14:creationId xmlns:p14="http://schemas.microsoft.com/office/powerpoint/2010/main" val="418210794"/>
+      </p:ext>
+    </p:extLst>
+  </p:cSld>
+  <p:clrMapOvr>
+    <a:masterClrMapping/>
+  </p:clrMapOvr>
+</p:sld>
+</file>
+
+<file path=ppt/slides/slide21.xml><?xml version="1.0" encoding="utf-8"?>
+<p:sld xmlns:a="http://schemas.openxmlformats.org/drawingml/2006/main" xmlns:r="http://schemas.openxmlformats.org/officeDocument/2006/relationships" xmlns:p="http://schemas.openxmlformats.org/presentationml/2006/main">
+  <p:cSld>
+    <p:bg>
+      <p:bgPr>
+        <a:solidFill>
+          <a:srgbClr val="F6F3EB"/>
+        </a:solidFill>
+        <a:effectLst/>
+      </p:bgPr>
+    </p:bg>
+    <p:spTree>
+      <p:nvGrpSpPr>
+        <p:cNvPr id="1" name=""/>
+        <p:cNvGrpSpPr/>
+        <p:nvPr/>
+      </p:nvGrpSpPr>
+      <p:grpSpPr>
+        <a:xfrm>
+          <a:off x="0" y="0"/>
+          <a:ext cx="0" cy="0"/>
+          <a:chOff x="0" y="0"/>
+          <a:chExt cx="0" cy="0"/>
+        </a:xfrm>
+      </p:grpSpPr>
+      <p:sp>
+        <p:nvSpPr>
+          <p:cNvPr id="2" name="Freeform 2"/>
+          <p:cNvSpPr/>
+          <p:nvPr/>
+        </p:nvSpPr>
+        <p:spPr>
+          <a:xfrm>
+            <a:off x="-4165230" y="927840"/>
+            <a:ext cx="8330460" cy="8330460"/>
+          </a:xfrm>
+          <a:custGeom>
+            <a:avLst/>
+            <a:gdLst/>
+            <a:ahLst/>
+            <a:cxnLst/>
+            <a:rect l="l" t="t" r="r" b="b"/>
+            <a:pathLst>
+              <a:path w="8330460" h="8330460">
+                <a:moveTo>
+                  <a:pt x="0" y="0"/>
+                </a:moveTo>
+                <a:lnTo>
+                  <a:pt x="8330460" y="0"/>
+                </a:lnTo>
+                <a:lnTo>
+                  <a:pt x="8330460" y="8330460"/>
+                </a:lnTo>
+                <a:lnTo>
+                  <a:pt x="0" y="8330460"/>
+                </a:lnTo>
+                <a:lnTo>
+                  <a:pt x="0" y="0"/>
+                </a:lnTo>
+                <a:close/>
+              </a:path>
+            </a:pathLst>
+          </a:custGeom>
+          <a:blipFill>
+            <a:blip r:embed="rId2">
+              <a:extLst>
+                <a:ext uri="{96DAC541-7B7A-43D3-8B79-37D633B846F1}">
+                  <asvg:svgBlip xmlns:asvg="http://schemas.microsoft.com/office/drawing/2016/SVG/main" r:embed="rId3"/>
+                </a:ext>
+              </a:extLst>
+            </a:blip>
+            <a:stretch>
+              <a:fillRect/>
+            </a:stretch>
+          </a:blipFill>
+        </p:spPr>
+        <p:txBody>
+          <a:bodyPr/>
+          <a:lstStyle/>
+          <a:p>
+            <a:endParaRPr lang="en-GB"/>
+          </a:p>
+        </p:txBody>
+      </p:sp>
+      <p:sp>
+        <p:nvSpPr>
+          <p:cNvPr id="3" name="Freeform 3"/>
+          <p:cNvSpPr/>
+          <p:nvPr/>
+        </p:nvSpPr>
+        <p:spPr>
+          <a:xfrm rot="5400000">
+            <a:off x="-2180974" y="3086100"/>
+            <a:ext cx="6067399" cy="4114800"/>
+          </a:xfrm>
+          <a:custGeom>
+            <a:avLst/>
+            <a:gdLst/>
+            <a:ahLst/>
+            <a:cxnLst/>
+            <a:rect l="l" t="t" r="r" b="b"/>
+            <a:pathLst>
+              <a:path w="6067399" h="4114800">
+                <a:moveTo>
+                  <a:pt x="0" y="0"/>
+                </a:moveTo>
+                <a:lnTo>
+                  <a:pt x="6067400" y="0"/>
+                </a:lnTo>
+                <a:lnTo>
+                  <a:pt x="6067400" y="4114800"/>
+                </a:lnTo>
+                <a:lnTo>
+                  <a:pt x="0" y="4114800"/>
+                </a:lnTo>
+                <a:lnTo>
+                  <a:pt x="0" y="0"/>
+                </a:lnTo>
+                <a:close/>
+              </a:path>
+            </a:pathLst>
+          </a:custGeom>
+          <a:blipFill>
+            <a:blip r:embed="rId4">
+              <a:extLst>
+                <a:ext uri="{96DAC541-7B7A-43D3-8B79-37D633B846F1}">
+                  <asvg:svgBlip xmlns:asvg="http://schemas.microsoft.com/office/drawing/2016/SVG/main" r:embed="rId5"/>
+                </a:ext>
+              </a:extLst>
+            </a:blip>
+            <a:stretch>
+              <a:fillRect/>
+            </a:stretch>
+          </a:blipFill>
+        </p:spPr>
+        <p:txBody>
+          <a:bodyPr/>
+          <a:lstStyle/>
+          <a:p>
+            <a:endParaRPr lang="en-GB"/>
+          </a:p>
+        </p:txBody>
+      </p:sp>
+      <p:sp>
+        <p:nvSpPr>
+          <p:cNvPr id="4" name="Freeform 4"/>
+          <p:cNvSpPr/>
+          <p:nvPr/>
+        </p:nvSpPr>
+        <p:spPr>
+          <a:xfrm>
+            <a:off x="10972800" y="-1194005"/>
+            <a:ext cx="6961247" cy="2222705"/>
+          </a:xfrm>
+          <a:custGeom>
+            <a:avLst/>
+            <a:gdLst/>
+            <a:ahLst/>
+            <a:cxnLst/>
+            <a:rect l="l" t="t" r="r" b="b"/>
+            <a:pathLst>
+              <a:path w="6961247" h="2222705">
+                <a:moveTo>
+                  <a:pt x="0" y="0"/>
+                </a:moveTo>
+                <a:lnTo>
+                  <a:pt x="6961247" y="0"/>
+                </a:lnTo>
+                <a:lnTo>
+                  <a:pt x="6961247" y="2222705"/>
+                </a:lnTo>
+                <a:lnTo>
+                  <a:pt x="0" y="2222705"/>
+                </a:lnTo>
+                <a:lnTo>
+                  <a:pt x="0" y="0"/>
+                </a:lnTo>
+                <a:close/>
+              </a:path>
+            </a:pathLst>
+          </a:custGeom>
+          <a:blipFill>
+            <a:blip r:embed="rId6">
+              <a:extLst>
+                <a:ext uri="{96DAC541-7B7A-43D3-8B79-37D633B846F1}">
+                  <asvg:svgBlip xmlns:asvg="http://schemas.microsoft.com/office/drawing/2016/SVG/main" r:embed="rId7"/>
+                </a:ext>
+              </a:extLst>
+            </a:blip>
+            <a:stretch>
+              <a:fillRect/>
+            </a:stretch>
+          </a:blipFill>
+        </p:spPr>
+        <p:txBody>
+          <a:bodyPr/>
+          <a:lstStyle/>
+          <a:p>
+            <a:endParaRPr lang="en-GB"/>
+          </a:p>
+        </p:txBody>
+      </p:sp>
+      <p:sp>
+        <p:nvSpPr>
           <p:cNvPr id="5" name="TextBox 5"/>
           <p:cNvSpPr txBox="1"/>
           <p:nvPr/>
@@ -10752,7 +11069,7 @@
 </p:sld>
 </file>
 
-<file path=ppt/slides/slide21.xml><?xml version="1.0" encoding="utf-8"?>
+<file path=ppt/slides/slide22.xml><?xml version="1.0" encoding="utf-8"?>
 <p:sld xmlns:a="http://schemas.openxmlformats.org/drawingml/2006/main" xmlns:r="http://schemas.openxmlformats.org/officeDocument/2006/relationships" xmlns:p="http://schemas.openxmlformats.org/presentationml/2006/main">
   <p:cSld>
     <p:bg>
@@ -12434,7 +12751,7 @@
               <a:buChar char="•"/>
             </a:pPr>
             <a:r>
-              <a:rPr lang="en-US" sz="3000" b="1">
+              <a:rPr lang="en-US" sz="3000" b="1" dirty="0">
                 <a:solidFill>
                   <a:srgbClr val="343434"/>
                 </a:solidFill>
@@ -12455,7 +12772,7 @@
               <a:buChar char="⚬"/>
             </a:pPr>
             <a:r>
-              <a:rPr lang="en-US" sz="3000">
+              <a:rPr lang="en-US" sz="3000" dirty="0">
                 <a:solidFill>
                   <a:srgbClr val="343434"/>
                 </a:solidFill>
@@ -12476,7 +12793,7 @@
               <a:buChar char="⚬"/>
             </a:pPr>
             <a:r>
-              <a:rPr lang="en-US" sz="3000">
+              <a:rPr lang="en-US" sz="3000" dirty="0">
                 <a:solidFill>
                   <a:srgbClr val="343434"/>
                 </a:solidFill>
@@ -12497,7 +12814,7 @@
               <a:buChar char="⚬"/>
             </a:pPr>
             <a:r>
-              <a:rPr lang="en-US" sz="3000">
+              <a:rPr lang="en-US" sz="3000" dirty="0">
                 <a:solidFill>
                   <a:srgbClr val="343434"/>
                 </a:solidFill>
@@ -12518,7 +12835,7 @@
               <a:buChar char="⚬"/>
             </a:pPr>
             <a:r>
-              <a:rPr lang="en-US" sz="3000">
+              <a:rPr lang="en-US" sz="3000" dirty="0">
                 <a:solidFill>
                   <a:srgbClr val="343434"/>
                 </a:solidFill>
@@ -12539,7 +12856,7 @@
               <a:buChar char="⚬"/>
             </a:pPr>
             <a:r>
-              <a:rPr lang="en-US" sz="3000">
+              <a:rPr lang="en-US" sz="3000" dirty="0">
                 <a:solidFill>
                   <a:srgbClr val="343434"/>
                 </a:solidFill>
@@ -12557,7 +12874,7 @@
                 <a:spcPts val="4200"/>
               </a:lnSpc>
             </a:pPr>
-            <a:endParaRPr lang="en-US" sz="3000">
+            <a:endParaRPr lang="en-US" sz="3000" dirty="0">
               <a:solidFill>
                 <a:srgbClr val="343434"/>
               </a:solidFill>
@@ -12576,7 +12893,7 @@
               <a:buChar char="•"/>
             </a:pPr>
             <a:r>
-              <a:rPr lang="en-US" sz="3000" b="1">
+              <a:rPr lang="en-US" sz="3000" b="1" dirty="0">
                 <a:solidFill>
                   <a:srgbClr val="343434"/>
                 </a:solidFill>
@@ -12597,7 +12914,7 @@
               <a:buChar char="⚬"/>
             </a:pPr>
             <a:r>
-              <a:rPr lang="en-US" sz="3000">
+              <a:rPr lang="en-US" sz="3000" dirty="0">
                 <a:solidFill>
                   <a:srgbClr val="343434"/>
                 </a:solidFill>
@@ -12606,7 +12923,7 @@
                 <a:cs typeface="Glacial Indifference"/>
                 <a:sym typeface="Glacial Indifference"/>
               </a:rPr>
-              <a:t>1 – 7 day lead-time warnings</a:t>
+              <a:t>1 – 7 days lead-time warnings</a:t>
             </a:r>
           </a:p>
           <a:p>
@@ -12618,7 +12935,7 @@
               <a:buChar char="⚬"/>
             </a:pPr>
             <a:r>
-              <a:rPr lang="en-US" sz="3000">
+              <a:rPr lang="en-US" sz="3000" dirty="0">
                 <a:solidFill>
                   <a:srgbClr val="343434"/>
                 </a:solidFill>
@@ -12639,7 +12956,7 @@
               <a:buChar char="⚬"/>
             </a:pPr>
             <a:r>
-              <a:rPr lang="en-US" sz="3000">
+              <a:rPr lang="en-US" sz="3000" dirty="0">
                 <a:solidFill>
                   <a:srgbClr val="343434"/>
                 </a:solidFill>
@@ -13982,7 +14299,7 @@
         </p:nvSpPr>
         <p:spPr>
           <a:xfrm>
-            <a:off x="4798953" y="3617100"/>
+            <a:off x="4798953" y="3390900"/>
             <a:ext cx="12160321" cy="6159186"/>
           </a:xfrm>
           <a:custGeom>
@@ -14321,7 +14638,7 @@
               <a:buChar char="•"/>
             </a:pPr>
             <a:r>
-              <a:rPr lang="en-US" sz="3000" b="1">
+              <a:rPr lang="en-US" sz="3000" b="1" dirty="0">
                 <a:solidFill>
                   <a:srgbClr val="343434"/>
                 </a:solidFill>
@@ -14342,7 +14659,7 @@
               <a:buChar char="⚬"/>
             </a:pPr>
             <a:r>
-              <a:rPr lang="en-US" sz="3000">
+              <a:rPr lang="en-US" sz="3000" dirty="0">
                 <a:solidFill>
                   <a:srgbClr val="343434"/>
                 </a:solidFill>
@@ -14363,7 +14680,7 @@
               <a:buChar char="⚬"/>
             </a:pPr>
             <a:r>
-              <a:rPr lang="en-US" sz="3000">
+              <a:rPr lang="en-US" sz="3000" dirty="0">
                 <a:solidFill>
                   <a:srgbClr val="343434"/>
                 </a:solidFill>
@@ -14381,7 +14698,7 @@
                 <a:spcPts val="4200"/>
               </a:lnSpc>
             </a:pPr>
-            <a:endParaRPr lang="en-US" sz="3000">
+            <a:endParaRPr lang="en-US" sz="3000" dirty="0">
               <a:solidFill>
                 <a:srgbClr val="343434"/>
               </a:solidFill>
@@ -14400,7 +14717,7 @@
               <a:buChar char="•"/>
             </a:pPr>
             <a:r>
-              <a:rPr lang="en-US" sz="3000" b="1">
+              <a:rPr lang="en-US" sz="3000" b="1" dirty="0">
                 <a:solidFill>
                   <a:srgbClr val="343434"/>
                 </a:solidFill>
@@ -14421,7 +14738,7 @@
               <a:buChar char="⚬"/>
             </a:pPr>
             <a:r>
-              <a:rPr lang="en-US" sz="3000">
+              <a:rPr lang="en-US" sz="3000" dirty="0">
                 <a:solidFill>
                   <a:srgbClr val="343434"/>
                 </a:solidFill>
@@ -14442,7 +14759,7 @@
               <a:buChar char="⚬"/>
             </a:pPr>
             <a:r>
-              <a:rPr lang="en-US" sz="3000">
+              <a:rPr lang="en-US" sz="3000" dirty="0">
                 <a:solidFill>
                   <a:srgbClr val="343434"/>
                 </a:solidFill>
@@ -14463,7 +14780,7 @@
               <a:buChar char="⚬"/>
             </a:pPr>
             <a:r>
-              <a:rPr lang="en-US" sz="3000">
+              <a:rPr lang="en-US" sz="3000" dirty="0">
                 <a:solidFill>
                   <a:srgbClr val="343434"/>
                 </a:solidFill>
@@ -14481,7 +14798,7 @@
                 <a:spcPts val="4200"/>
               </a:lnSpc>
             </a:pPr>
-            <a:endParaRPr lang="en-US" sz="3000">
+            <a:endParaRPr lang="en-US" sz="3000" dirty="0">
               <a:solidFill>
                 <a:srgbClr val="343434"/>
               </a:solidFill>
@@ -14500,7 +14817,7 @@
               <a:buChar char="•"/>
             </a:pPr>
             <a:r>
-              <a:rPr lang="en-US" sz="3000" b="1">
+              <a:rPr lang="en-US" sz="3000" b="1" dirty="0">
                 <a:solidFill>
                   <a:srgbClr val="343434"/>
                 </a:solidFill>
@@ -14521,7 +14838,7 @@
               <a:buChar char="⚬"/>
             </a:pPr>
             <a:r>
-              <a:rPr lang="en-US" sz="3000">
+              <a:rPr lang="en-US" sz="3000" dirty="0">
                 <a:solidFill>
                   <a:srgbClr val="343434"/>
                 </a:solidFill>
@@ -14539,7 +14856,7 @@
                 <a:spcPts val="4200"/>
               </a:lnSpc>
             </a:pPr>
-            <a:endParaRPr lang="en-US" sz="3000">
+            <a:endParaRPr lang="en-US" sz="3000" dirty="0">
               <a:solidFill>
                 <a:srgbClr val="343434"/>
               </a:solidFill>
@@ -15083,7 +15400,7 @@
               <a:buChar char="•"/>
             </a:pPr>
             <a:r>
-              <a:rPr lang="en-US" sz="3000" b="1">
+              <a:rPr lang="en-US" sz="3000" b="1" dirty="0">
                 <a:solidFill>
                   <a:srgbClr val="343434"/>
                 </a:solidFill>
@@ -15104,7 +15421,7 @@
               <a:buChar char="⚬"/>
             </a:pPr>
             <a:r>
-              <a:rPr lang="en-US" sz="3000">
+              <a:rPr lang="en-US" sz="3000" dirty="0">
                 <a:solidFill>
                   <a:srgbClr val="343434"/>
                 </a:solidFill>
@@ -15125,7 +15442,7 @@
               <a:buChar char="⚬"/>
             </a:pPr>
             <a:r>
-              <a:rPr lang="en-US" sz="3000">
+              <a:rPr lang="en-US" sz="3000" dirty="0">
                 <a:solidFill>
                   <a:srgbClr val="343434"/>
                 </a:solidFill>
@@ -15134,7 +15451,31 @@
                 <a:cs typeface="Glacial Indifference"/>
                 <a:sym typeface="Glacial Indifference"/>
               </a:rPr>
-              <a:t>Output: rainfall at horizon H days ahead (V[t+H])</a:t>
+              <a:t>Output: rainfall at horizon H days ahead (V[</a:t>
+            </a:r>
+            <a:r>
+              <a:rPr lang="en-US" sz="3000" dirty="0" err="1">
+                <a:solidFill>
+                  <a:srgbClr val="343434"/>
+                </a:solidFill>
+                <a:latin typeface="Glacial Indifference"/>
+                <a:ea typeface="Glacial Indifference"/>
+                <a:cs typeface="Glacial Indifference"/>
+                <a:sym typeface="Glacial Indifference"/>
+              </a:rPr>
+              <a:t>t+H</a:t>
+            </a:r>
+            <a:r>
+              <a:rPr lang="en-US" sz="3000" dirty="0">
+                <a:solidFill>
+                  <a:srgbClr val="343434"/>
+                </a:solidFill>
+                <a:latin typeface="Glacial Indifference"/>
+                <a:ea typeface="Glacial Indifference"/>
+                <a:cs typeface="Glacial Indifference"/>
+                <a:sym typeface="Glacial Indifference"/>
+              </a:rPr>
+              <a:t>])</a:t>
             </a:r>
           </a:p>
           <a:p>
@@ -15143,7 +15484,7 @@
                 <a:spcPts val="4200"/>
               </a:lnSpc>
             </a:pPr>
-            <a:endParaRPr lang="en-US" sz="3000">
+            <a:endParaRPr lang="en-US" sz="3000" dirty="0">
               <a:solidFill>
                 <a:srgbClr val="343434"/>
               </a:solidFill>
@@ -15162,7 +15503,7 @@
               <a:buChar char="•"/>
             </a:pPr>
             <a:r>
-              <a:rPr lang="en-US" sz="3000" b="1">
+              <a:rPr lang="en-US" sz="3000" b="1" dirty="0">
                 <a:solidFill>
                   <a:srgbClr val="343434"/>
                 </a:solidFill>
@@ -15183,7 +15524,7 @@
               <a:buChar char="⚬"/>
             </a:pPr>
             <a:r>
-              <a:rPr lang="en-US" sz="3000">
+              <a:rPr lang="en-US" sz="3000" dirty="0">
                 <a:solidFill>
                   <a:srgbClr val="343434"/>
                 </a:solidFill>
@@ -15192,7 +15533,7 @@
                 <a:cs typeface="Glacial Indifference"/>
                 <a:sym typeface="Glacial Indifference"/>
               </a:rPr>
-              <a:t>Temporal convolution → Graph convolution → Temporal convolution</a:t>
+              <a:t>Temporal convolution → Graph convolution</a:t>
             </a:r>
           </a:p>
           <a:p>
@@ -15204,7 +15545,7 @@
               <a:buChar char="⚬"/>
             </a:pPr>
             <a:r>
-              <a:rPr lang="en-US" sz="3000">
+              <a:rPr lang="en-US" sz="3000" dirty="0">
                 <a:solidFill>
                   <a:srgbClr val="343434"/>
                 </a:solidFill>
@@ -15222,7 +15563,7 @@
                 <a:spcPts val="4200"/>
               </a:lnSpc>
             </a:pPr>
-            <a:endParaRPr lang="en-US" sz="3000">
+            <a:endParaRPr lang="en-US" sz="3000" dirty="0">
               <a:solidFill>
                 <a:srgbClr val="343434"/>
               </a:solidFill>
@@ -15241,7 +15582,7 @@
               <a:buChar char="•"/>
             </a:pPr>
             <a:r>
-              <a:rPr lang="en-US" sz="3000" b="1">
+              <a:rPr lang="en-US" sz="3000" b="1" dirty="0">
                 <a:solidFill>
                   <a:srgbClr val="343434"/>
                 </a:solidFill>
@@ -15262,7 +15603,7 @@
               <a:buChar char="⚬"/>
             </a:pPr>
             <a:r>
-              <a:rPr lang="en-US" sz="3000">
+              <a:rPr lang="en-US" sz="3000" dirty="0">
                 <a:solidFill>
                   <a:srgbClr val="343434"/>
                 </a:solidFill>
@@ -15283,7 +15624,7 @@
               <a:buChar char="⚬"/>
             </a:pPr>
             <a:r>
-              <a:rPr lang="en-US" sz="3000">
+              <a:rPr lang="en-US" sz="3000" dirty="0">
                 <a:solidFill>
                   <a:srgbClr val="343434"/>
                 </a:solidFill>
@@ -15304,7 +15645,7 @@
               <a:buChar char="⚬"/>
             </a:pPr>
             <a:r>
-              <a:rPr lang="en-US" sz="3000">
+              <a:rPr lang="en-US" sz="3000" dirty="0">
                 <a:solidFill>
                   <a:srgbClr val="343434"/>
                 </a:solidFill>
